--- a/CSCI-111/week-4/week-4-lecture/week-4-lecture.pptx
+++ b/CSCI-111/week-4/week-4-lecture/week-4-lecture.pptx
@@ -11278,9 +11278,6 @@
           </a:p>
           <a:p>
             <a:pPr indent="0" lvl="0" marL="0" rtl="0" algn="l">
-              <a:lnSpc>
-                <a:spcPct val="100000"/>
-              </a:lnSpc>
               <a:spcBef>
                 <a:spcPts val="0"/>
               </a:spcBef>
@@ -11329,6 +11326,9 @@
             </a:r>
             <a:r>
               <a:rPr lang="en" sz="1800">
+                <a:solidFill>
+                  <a:schemeClr val="dk2"/>
+                </a:solidFill>
                 <a:latin typeface="Courier New"/>
                 <a:ea typeface="Courier New"/>
                 <a:cs typeface="Courier New"/>
@@ -11338,15 +11338,24 @@
             </a:r>
             <a:r>
               <a:rPr lang="en" sz="1800">
-                <a:solidFill>
-                  <a:schemeClr val="lt1"/>
-                </a:solidFill>
                 <a:latin typeface="Courier New"/>
                 <a:ea typeface="Courier New"/>
                 <a:cs typeface="Courier New"/>
                 <a:sym typeface="Courier New"/>
               </a:rPr>
-              <a:t>Talgat Manglayev</a:t>
+              <a:t> </a:t>
+            </a:r>
+            <a:r>
+              <a:rPr lang="en" sz="1800">
+                <a:solidFill>
+                  <a:schemeClr val="lt1"/>
+                </a:solidFill>
+                <a:latin typeface="Courier New"/>
+                <a:ea typeface="Courier New"/>
+                <a:cs typeface="Courier New"/>
+                <a:sym typeface="Courier New"/>
+              </a:rPr>
+              <a:t>Dr. Talgat Manglayev</a:t>
             </a:r>
             <a:r>
               <a:rPr lang="en" sz="1800">
@@ -11396,9 +11405,6 @@
           </a:p>
           <a:p>
             <a:pPr indent="0" lvl="0" marL="0" rtl="0" algn="l">
-              <a:lnSpc>
-                <a:spcPct val="100000"/>
-              </a:lnSpc>
               <a:spcBef>
                 <a:spcPts val="0"/>
               </a:spcBef>
@@ -11447,6 +11453,9 @@
             </a:r>
             <a:r>
               <a:rPr lang="en" sz="1800">
+                <a:solidFill>
+                  <a:schemeClr val="dk2"/>
+                </a:solidFill>
                 <a:latin typeface="Courier New"/>
                 <a:ea typeface="Courier New"/>
                 <a:cs typeface="Courier New"/>
@@ -11456,15 +11465,24 @@
             </a:r>
             <a:r>
               <a:rPr lang="en" sz="1800">
-                <a:solidFill>
-                  <a:schemeClr val="lt1"/>
-                </a:solidFill>
                 <a:latin typeface="Courier New"/>
                 <a:ea typeface="Courier New"/>
                 <a:cs typeface="Courier New"/>
                 <a:sym typeface="Courier New"/>
               </a:rPr>
-              <a:t>Irina Dolzhikova</a:t>
+              <a:t> </a:t>
+            </a:r>
+            <a:r>
+              <a:rPr lang="en" sz="1800">
+                <a:solidFill>
+                  <a:schemeClr val="lt1"/>
+                </a:solidFill>
+                <a:latin typeface="Courier New"/>
+                <a:ea typeface="Courier New"/>
+                <a:cs typeface="Courier New"/>
+                <a:sym typeface="Courier New"/>
+              </a:rPr>
+              <a:t>Dr. Irina Dolzhikova</a:t>
             </a:r>
             <a:r>
               <a:rPr lang="en" sz="1800">
@@ -11514,16 +11532,17 @@
           </a:p>
           <a:p>
             <a:pPr indent="0" lvl="0" marL="0" rtl="0" algn="l">
-              <a:lnSpc>
-                <a:spcPct val="100000"/>
-              </a:lnSpc>
-              <a:spcBef>
-                <a:spcPts val="0"/>
-              </a:spcBef>
-              <a:spcAft>
-                <a:spcPts val="0"/>
-              </a:spcAft>
+              <a:spcBef>
+                <a:spcPts val="0"/>
+              </a:spcBef>
+              <a:spcAft>
+                <a:spcPts val="0"/>
+              </a:spcAft>
+              <a:buClr>
+                <a:schemeClr val="dk1"/>
+              </a:buClr>
               <a:buSzPts val="5200"/>
+              <a:buFont typeface="Arial"/>
               <a:buNone/>
             </a:pPr>
             <a:r>
@@ -11561,6 +11580,9 @@
             </a:r>
             <a:r>
               <a:rPr lang="en" sz="1800">
+                <a:solidFill>
+                  <a:schemeClr val="dk2"/>
+                </a:solidFill>
                 <a:latin typeface="Courier New"/>
                 <a:ea typeface="Courier New"/>
                 <a:cs typeface="Courier New"/>
@@ -11570,56 +11592,62 @@
             </a:r>
             <a:r>
               <a:rPr lang="en" sz="1800">
-                <a:solidFill>
-                  <a:schemeClr val="lt1"/>
-                </a:solidFill>
                 <a:latin typeface="Courier New"/>
                 <a:ea typeface="Courier New"/>
                 <a:cs typeface="Courier New"/>
                 <a:sym typeface="Courier New"/>
               </a:rPr>
-              <a:t>Aigerim Yessenbayeva</a:t>
+              <a:t> </a:t>
             </a:r>
             <a:r>
               <a:rPr lang="en" sz="1800">
                 <a:solidFill>
-                  <a:schemeClr val="dk2"/>
+                  <a:schemeClr val="lt1"/>
                 </a:solidFill>
                 <a:latin typeface="Courier New"/>
                 <a:ea typeface="Courier New"/>
                 <a:cs typeface="Courier New"/>
                 <a:sym typeface="Courier New"/>
               </a:rPr>
-              <a:t>&lt;/</a:t>
-            </a:r>
-            <a:r>
-              <a:rPr b="1" lang="en" sz="1800">
-                <a:solidFill>
-                  <a:srgbClr val="3C78D8"/>
+              <a:t>Dr. Syed Muhammad Umair Arif</a:t>
+            </a:r>
+            <a:r>
+              <a:rPr lang="en" sz="1800">
+                <a:solidFill>
+                  <a:schemeClr val="dk2"/>
                 </a:solidFill>
                 <a:latin typeface="Courier New"/>
                 <a:ea typeface="Courier New"/>
                 <a:cs typeface="Courier New"/>
                 <a:sym typeface="Courier New"/>
               </a:rPr>
-              <a:t>li</a:t>
-            </a:r>
-            <a:r>
-              <a:rPr lang="en" sz="1800">
-                <a:solidFill>
-                  <a:schemeClr val="dk2"/>
+              <a:t>&lt;/</a:t>
+            </a:r>
+            <a:r>
+              <a:rPr b="1" lang="en" sz="1800">
+                <a:solidFill>
+                  <a:srgbClr val="3C78D8"/>
                 </a:solidFill>
                 <a:latin typeface="Courier New"/>
                 <a:ea typeface="Courier New"/>
                 <a:cs typeface="Courier New"/>
                 <a:sym typeface="Courier New"/>
               </a:rPr>
+              <a:t>li</a:t>
+            </a:r>
+            <a:r>
+              <a:rPr lang="en" sz="1800">
+                <a:solidFill>
+                  <a:schemeClr val="dk2"/>
+                </a:solidFill>
+                <a:latin typeface="Courier New"/>
+                <a:ea typeface="Courier New"/>
+                <a:cs typeface="Courier New"/>
+                <a:sym typeface="Courier New"/>
+              </a:rPr>
               <a:t>&gt;</a:t>
             </a:r>
             <a:endParaRPr sz="1800">
-              <a:solidFill>
-                <a:schemeClr val="dk2"/>
-              </a:solidFill>
               <a:latin typeface="Courier New"/>
               <a:ea typeface="Courier New"/>
               <a:cs typeface="Courier New"/>
@@ -12557,7 +12585,7 @@
                 <a:cs typeface="Times New Roman"/>
                 <a:sym typeface="Times New Roman"/>
               </a:rPr>
-              <a:t>pecifies the type of positioning method used for an  element:</a:t>
+              <a:t>pecifies the type of positioning method used for an element:</a:t>
             </a:r>
             <a:endParaRPr sz="2400">
               <a:solidFill>
@@ -17769,7 +17797,7 @@
                 <a:cs typeface="Times New Roman"/>
                 <a:sym typeface="Times New Roman"/>
               </a:rPr>
-              <a:t>property</a:t>
+              <a:t>property with value:</a:t>
             </a:r>
             <a:endParaRPr sz="3000">
               <a:solidFill>
@@ -17818,7 +17846,19 @@
                 <a:cs typeface="Times New Roman"/>
                 <a:sym typeface="Times New Roman"/>
               </a:rPr>
-              <a:t>value adds a scrolling</a:t>
+              <a:t>- </a:t>
+            </a:r>
+            <a:r>
+              <a:rPr lang="en" sz="3000">
+                <a:solidFill>
+                  <a:schemeClr val="dk1"/>
+                </a:solidFill>
+                <a:latin typeface="Times New Roman"/>
+                <a:ea typeface="Times New Roman"/>
+                <a:cs typeface="Times New Roman"/>
+                <a:sym typeface="Times New Roman"/>
+              </a:rPr>
+              <a:t>adds a scrolling if needed</a:t>
             </a:r>
             <a:endParaRPr sz="3000">
               <a:solidFill>
@@ -17867,7 +17907,80 @@
                 <a:cs typeface="Times New Roman"/>
                 <a:sym typeface="Times New Roman"/>
               </a:rPr>
-              <a:t>value hides the extra part of content</a:t>
+              <a:t>-</a:t>
+            </a:r>
+            <a:r>
+              <a:rPr lang="en" sz="3000">
+                <a:solidFill>
+                  <a:schemeClr val="dk1"/>
+                </a:solidFill>
+                <a:latin typeface="Times New Roman"/>
+                <a:ea typeface="Times New Roman"/>
+                <a:cs typeface="Times New Roman"/>
+                <a:sym typeface="Times New Roman"/>
+              </a:rPr>
+              <a:t> hides the extra part of content</a:t>
+            </a:r>
+            <a:endParaRPr sz="3000">
+              <a:solidFill>
+                <a:schemeClr val="dk1"/>
+              </a:solidFill>
+              <a:latin typeface="Times New Roman"/>
+              <a:ea typeface="Times New Roman"/>
+              <a:cs typeface="Times New Roman"/>
+              <a:sym typeface="Times New Roman"/>
+            </a:endParaRPr>
+          </a:p>
+          <a:p>
+            <a:pPr indent="-376237" lvl="1" marL="914400" rtl="0" algn="l">
+              <a:lnSpc>
+                <a:spcPct val="100000"/>
+              </a:lnSpc>
+              <a:spcBef>
+                <a:spcPts val="0"/>
+              </a:spcBef>
+              <a:spcAft>
+                <a:spcPts val="0"/>
+              </a:spcAft>
+              <a:buSzPct val="100000"/>
+              <a:buFont typeface="Times New Roman"/>
+              <a:buChar char="○"/>
+            </a:pPr>
+            <a:r>
+              <a:rPr b="1" lang="en" sz="3000">
+                <a:solidFill>
+                  <a:srgbClr val="FF0000"/>
+                </a:solidFill>
+                <a:latin typeface="Times New Roman"/>
+                <a:ea typeface="Times New Roman"/>
+                <a:cs typeface="Times New Roman"/>
+                <a:sym typeface="Times New Roman"/>
+              </a:rPr>
+              <a:t>scroll</a:t>
+            </a:r>
+            <a:r>
+              <a:rPr b="1" lang="en" sz="3000">
+                <a:solidFill>
+                  <a:srgbClr val="FF0000"/>
+                </a:solidFill>
+                <a:latin typeface="Times New Roman"/>
+                <a:ea typeface="Times New Roman"/>
+                <a:cs typeface="Times New Roman"/>
+                <a:sym typeface="Times New Roman"/>
+              </a:rPr>
+              <a:t> </a:t>
+            </a:r>
+            <a:r>
+              <a:rPr lang="en" sz="3000">
+                <a:solidFill>
+                  <a:schemeClr val="dk1"/>
+                </a:solidFill>
+                <a:latin typeface="Times New Roman"/>
+                <a:ea typeface="Times New Roman"/>
+                <a:cs typeface="Times New Roman"/>
+                <a:sym typeface="Times New Roman"/>
+              </a:rPr>
+              <a:t>- adds a side tool for scrolling (regardless of text size)</a:t>
             </a:r>
             <a:endParaRPr sz="3000">
               <a:solidFill>
@@ -17909,7 +18022,7 @@
         <p:spPr>
           <a:xfrm>
             <a:off x="5283600" y="1835425"/>
-            <a:ext cx="3860400" cy="923400"/>
+            <a:ext cx="3860400" cy="554100"/>
           </a:xfrm>
           <a:prstGeom prst="rect">
             <a:avLst/>
@@ -17957,43 +18070,6 @@
                 <a:sym typeface="Courier New"/>
               </a:rPr>
               <a:t>.html</a:t>
-            </a:r>
-            <a:endParaRPr b="1" sz="2400">
-              <a:solidFill>
-                <a:srgbClr val="7030A0"/>
-              </a:solidFill>
-              <a:latin typeface="Courier New"/>
-              <a:ea typeface="Courier New"/>
-              <a:cs typeface="Courier New"/>
-              <a:sym typeface="Courier New"/>
-            </a:endParaRPr>
-          </a:p>
-          <a:p>
-            <a:pPr indent="0" lvl="0" marL="12700" rtl="0" algn="l">
-              <a:spcBef>
-                <a:spcPts val="0"/>
-              </a:spcBef>
-              <a:spcAft>
-                <a:spcPts val="0"/>
-              </a:spcAft>
-              <a:buClr>
-                <a:schemeClr val="dk1"/>
-              </a:buClr>
-              <a:buSzPts val="1100"/>
-              <a:buFont typeface="Arial"/>
-              <a:buNone/>
-            </a:pPr>
-            <a:r>
-              <a:rPr b="1" lang="en" sz="2400">
-                <a:solidFill>
-                  <a:srgbClr val="7030A0"/>
-                </a:solidFill>
-                <a:latin typeface="Courier New"/>
-                <a:ea typeface="Courier New"/>
-                <a:cs typeface="Courier New"/>
-                <a:sym typeface="Courier New"/>
-              </a:rPr>
-              <a:t>1.3  box_model.html</a:t>
             </a:r>
             <a:endParaRPr b="1" sz="2400">
               <a:solidFill>
@@ -19837,7 +19913,7 @@
                 <a:cs typeface="Times New Roman"/>
                 <a:sym typeface="Times New Roman"/>
               </a:rPr>
-              <a:t>is placed on the same line where defined (some box  properties are ignored like </a:t>
+              <a:t>is placed on the same line where defined (some box properties are ignored like </a:t>
             </a:r>
             <a:r>
               <a:rPr b="1" lang="en" sz="3000">
@@ -20620,8 +20696,8 @@
         </p:nvSpPr>
         <p:spPr>
           <a:xfrm>
-            <a:off x="6540475" y="674975"/>
-            <a:ext cx="2603400" cy="1046700"/>
+            <a:off x="6361750" y="674975"/>
+            <a:ext cx="2782200" cy="1046700"/>
           </a:xfrm>
           <a:prstGeom prst="rect">
             <a:avLst/>
@@ -20637,14 +20713,15 @@
           </a:bodyPr>
           <a:lstStyle/>
           <a:p>
-            <a:pPr indent="0" lvl="0" marL="0" rtl="0" algn="l">
-              <a:spcBef>
-                <a:spcPts val="0"/>
-              </a:spcBef>
-              <a:spcAft>
-                <a:spcPts val="0"/>
-              </a:spcAft>
-              <a:buNone/>
+            <a:pPr indent="-317500" lvl="0" marL="457200" rtl="0" algn="l">
+              <a:spcBef>
+                <a:spcPts val="0"/>
+              </a:spcBef>
+              <a:spcAft>
+                <a:spcPts val="0"/>
+              </a:spcAft>
+              <a:buSzPts val="1400"/>
+              <a:buChar char="●"/>
             </a:pPr>
             <a:r>
               <a:rPr lang="en" u="sng">
@@ -20658,14 +20735,15 @@
             <a:endParaRPr/>
           </a:p>
           <a:p>
-            <a:pPr indent="0" lvl="0" marL="0" rtl="0" algn="l">
-              <a:spcBef>
-                <a:spcPts val="0"/>
-              </a:spcBef>
-              <a:spcAft>
-                <a:spcPts val="0"/>
-              </a:spcAft>
-              <a:buNone/>
+            <a:pPr indent="-317500" lvl="0" marL="457200" rtl="0" algn="l">
+              <a:spcBef>
+                <a:spcPts val="0"/>
+              </a:spcBef>
+              <a:spcAft>
+                <a:spcPts val="0"/>
+              </a:spcAft>
+              <a:buSzPts val="1400"/>
+              <a:buChar char="●"/>
             </a:pPr>
             <a:r>
               <a:rPr lang="en" u="sng">
@@ -20688,14 +20766,15 @@
             <a:endParaRPr/>
           </a:p>
           <a:p>
-            <a:pPr indent="457200" lvl="0" marL="0" rtl="0" algn="l">
-              <a:spcBef>
-                <a:spcPts val="0"/>
-              </a:spcBef>
-              <a:spcAft>
-                <a:spcPts val="0"/>
-              </a:spcAft>
-              <a:buNone/>
+            <a:pPr indent="-317500" lvl="1" marL="914400" rtl="0" algn="l">
+              <a:spcBef>
+                <a:spcPts val="0"/>
+              </a:spcBef>
+              <a:spcAft>
+                <a:spcPts val="0"/>
+              </a:spcAft>
+              <a:buSzPts val="1400"/>
+              <a:buChar char="○"/>
             </a:pPr>
             <a:r>
               <a:rPr lang="en" u="sng">
@@ -20709,14 +20788,15 @@
             <a:endParaRPr/>
           </a:p>
           <a:p>
-            <a:pPr indent="0" lvl="0" marL="457200" rtl="0" algn="l">
-              <a:spcBef>
-                <a:spcPts val="0"/>
-              </a:spcBef>
-              <a:spcAft>
-                <a:spcPts val="0"/>
-              </a:spcAft>
-              <a:buNone/>
+            <a:pPr indent="-317500" lvl="1" marL="914400" rtl="0" algn="l">
+              <a:spcBef>
+                <a:spcPts val="0"/>
+              </a:spcBef>
+              <a:spcAft>
+                <a:spcPts val="0"/>
+              </a:spcAft>
+              <a:buSzPts val="1400"/>
+              <a:buChar char="○"/>
             </a:pPr>
             <a:r>
               <a:rPr lang="en"/>
